--- a/downloads/zfa-term-enrichment.pptx
+++ b/downloads/zfa-term-enrichment.pptx
@@ -13,9 +13,10 @@
     <p:sldId id="286" r:id="rId7"/>
     <p:sldId id="290" r:id="rId8"/>
     <p:sldId id="287" r:id="rId9"/>
-    <p:sldId id="288" r:id="rId10"/>
-    <p:sldId id="289" r:id="rId11"/>
-    <p:sldId id="281" r:id="rId12"/>
+    <p:sldId id="291" r:id="rId10"/>
+    <p:sldId id="288" r:id="rId11"/>
+    <p:sldId id="289" r:id="rId12"/>
+    <p:sldId id="281" r:id="rId13"/>
   </p:sldIdLst>
   <p:sldSz cx="12192000" cy="6858000"/>
   <p:notesSz cx="6858000" cy="9144000"/>
@@ -3034,6 +3035,205 @@
           <p:cNvPr id="2" name="Title 1">
             <a:extLst>
               <a:ext uri="{FF2B5EF4-FFF2-40B4-BE49-F238E27FC236}">
+                <a16:creationId xmlns:a16="http://schemas.microsoft.com/office/drawing/2014/main" id="{DA4084F7-C9DF-C342-ACDB-33FEEFB5BAE3}"/>
+              </a:ext>
+            </a:extLst>
+          </p:cNvPr>
+          <p:cNvSpPr>
+            <a:spLocks noGrp="1"/>
+          </p:cNvSpPr>
+          <p:nvPr>
+            <p:ph type="title"/>
+          </p:nvPr>
+        </p:nvSpPr>
+        <p:spPr/>
+        <p:txBody>
+          <a:bodyPr/>
+          <a:lstStyle/>
+          <a:p>
+            <a:r>
+              <a:rPr lang="en-US" dirty="0"/>
+              <a:t>Run </a:t>
+            </a:r>
+            <a:r>
+              <a:rPr lang="en-US" dirty="0" err="1"/>
+              <a:t>Ontologizer</a:t>
+            </a:r>
+            <a:endParaRPr lang="en-US" dirty="0"/>
+          </a:p>
+        </p:txBody>
+      </p:sp>
+      <p:sp>
+        <p:nvSpPr>
+          <p:cNvPr id="3" name="Content Placeholder 2">
+            <a:extLst>
+              <a:ext uri="{FF2B5EF4-FFF2-40B4-BE49-F238E27FC236}">
+                <a16:creationId xmlns:a16="http://schemas.microsoft.com/office/drawing/2014/main" id="{D121EDCC-B4C9-8340-A27C-CD88708DE5D5}"/>
+              </a:ext>
+            </a:extLst>
+          </p:cNvPr>
+          <p:cNvSpPr>
+            <a:spLocks noGrp="1"/>
+          </p:cNvSpPr>
+          <p:nvPr>
+            <p:ph idx="1"/>
+          </p:nvPr>
+        </p:nvSpPr>
+        <p:spPr/>
+        <p:txBody>
+          <a:bodyPr/>
+          <a:lstStyle/>
+          <a:p>
+            <a:r>
+              <a:rPr lang="en-US" dirty="0">
+                <a:latin typeface="Courier New" panose="02070309020205020404" pitchFamily="49" charset="0"/>
+                <a:cs typeface="Courier New" panose="02070309020205020404" pitchFamily="49" charset="0"/>
+              </a:rPr>
+              <a:t>java -jar </a:t>
+            </a:r>
+            <a:r>
+              <a:rPr lang="en-US" dirty="0" err="1">
+                <a:latin typeface="Courier New" panose="02070309020205020404" pitchFamily="49" charset="0"/>
+                <a:cs typeface="Courier New" panose="02070309020205020404" pitchFamily="49" charset="0"/>
+              </a:rPr>
+              <a:t>Ontologizer.jar</a:t>
+            </a:r>
+            <a:r>
+              <a:rPr lang="en-US" dirty="0">
+                <a:latin typeface="Courier New" panose="02070309020205020404" pitchFamily="49" charset="0"/>
+                <a:cs typeface="Courier New" panose="02070309020205020404" pitchFamily="49" charset="0"/>
+              </a:rPr>
+              <a:t> -a </a:t>
+            </a:r>
+            <a:r>
+              <a:rPr lang="en-US" dirty="0" err="1">
+                <a:latin typeface="Courier New" panose="02070309020205020404" pitchFamily="49" charset="0"/>
+                <a:cs typeface="Courier New" panose="02070309020205020404" pitchFamily="49" charset="0"/>
+              </a:rPr>
+              <a:t>zfin.txt</a:t>
+            </a:r>
+            <a:r>
+              <a:rPr lang="en-US" dirty="0">
+                <a:latin typeface="Courier New" panose="02070309020205020404" pitchFamily="49" charset="0"/>
+                <a:cs typeface="Courier New" panose="02070309020205020404" pitchFamily="49" charset="0"/>
+              </a:rPr>
+              <a:t> -g </a:t>
+            </a:r>
+            <a:r>
+              <a:rPr lang="en-US" dirty="0" err="1">
+                <a:latin typeface="Courier New" panose="02070309020205020404" pitchFamily="49" charset="0"/>
+                <a:cs typeface="Courier New" panose="02070309020205020404" pitchFamily="49" charset="0"/>
+              </a:rPr>
+              <a:t>zfa.obo</a:t>
+            </a:r>
+            <a:r>
+              <a:rPr lang="en-US" dirty="0">
+                <a:latin typeface="Courier New" panose="02070309020205020404" pitchFamily="49" charset="0"/>
+                <a:cs typeface="Courier New" panose="02070309020205020404" pitchFamily="49" charset="0"/>
+              </a:rPr>
+              <a:t> -c Parent-Child-Union -m Bonferroni -p </a:t>
+            </a:r>
+            <a:r>
+              <a:rPr lang="en-US" dirty="0" err="1">
+                <a:latin typeface="Courier New" panose="02070309020205020404" pitchFamily="49" charset="0"/>
+                <a:cs typeface="Courier New" panose="02070309020205020404" pitchFamily="49" charset="0"/>
+              </a:rPr>
+              <a:t>population.zfin.tsv</a:t>
+            </a:r>
+            <a:r>
+              <a:rPr lang="en-US" dirty="0">
+                <a:latin typeface="Courier New" panose="02070309020205020404" pitchFamily="49" charset="0"/>
+                <a:cs typeface="Courier New" panose="02070309020205020404" pitchFamily="49" charset="0"/>
+              </a:rPr>
+              <a:t> -s </a:t>
+            </a:r>
+            <a:r>
+              <a:rPr lang="en-US" dirty="0" err="1">
+                <a:latin typeface="Courier New" panose="02070309020205020404" pitchFamily="49" charset="0"/>
+                <a:cs typeface="Courier New" panose="02070309020205020404" pitchFamily="49" charset="0"/>
+              </a:rPr>
+              <a:t>study.zfin.tsv</a:t>
+            </a:r>
+            <a:endParaRPr lang="en-US" dirty="0">
+              <a:latin typeface="Courier New" panose="02070309020205020404" pitchFamily="49" charset="0"/>
+              <a:cs typeface="Courier New" panose="02070309020205020404" pitchFamily="49" charset="0"/>
+            </a:endParaRPr>
+          </a:p>
+          <a:p>
+            <a:r>
+              <a:rPr lang="en-US" dirty="0"/>
+              <a:t>Will produce a file called </a:t>
+            </a:r>
+            <a:r>
+              <a:rPr lang="en-US" dirty="0">
+                <a:latin typeface="Courier New" panose="02070309020205020404" pitchFamily="49" charset="0"/>
+                <a:cs typeface="Courier New" panose="02070309020205020404" pitchFamily="49" charset="0"/>
+              </a:rPr>
+              <a:t>table-</a:t>
+            </a:r>
+            <a:r>
+              <a:rPr lang="en-US" dirty="0" err="1">
+                <a:latin typeface="Courier New" panose="02070309020205020404" pitchFamily="49" charset="0"/>
+                <a:cs typeface="Courier New" panose="02070309020205020404" pitchFamily="49" charset="0"/>
+              </a:rPr>
+              <a:t>study.zfin</a:t>
+            </a:r>
+            <a:r>
+              <a:rPr lang="en-US" dirty="0">
+                <a:latin typeface="Courier New" panose="02070309020205020404" pitchFamily="49" charset="0"/>
+                <a:cs typeface="Courier New" panose="02070309020205020404" pitchFamily="49" charset="0"/>
+              </a:rPr>
+              <a:t>-Parent-Child-Union-</a:t>
+            </a:r>
+            <a:r>
+              <a:rPr lang="en-US" dirty="0" err="1">
+                <a:latin typeface="Courier New" panose="02070309020205020404" pitchFamily="49" charset="0"/>
+                <a:cs typeface="Courier New" panose="02070309020205020404" pitchFamily="49" charset="0"/>
+              </a:rPr>
+              <a:t>Bonferroni.txt</a:t>
+            </a:r>
+            <a:r>
+              <a:rPr lang="en-US" dirty="0"/>
+              <a:t> containing all the ZFA terms, including significantly enriched ones</a:t>
+            </a:r>
+          </a:p>
+        </p:txBody>
+      </p:sp>
+    </p:spTree>
+    <p:extLst>
+      <p:ext uri="{BB962C8B-B14F-4D97-AF65-F5344CB8AC3E}">
+        <p14:creationId xmlns:p14="http://schemas.microsoft.com/office/powerpoint/2010/main" val="524505637"/>
+      </p:ext>
+    </p:extLst>
+  </p:cSld>
+  <p:clrMapOvr>
+    <a:masterClrMapping/>
+  </p:clrMapOvr>
+</p:sld>
+</file>
+
+<file path=ppt/slides/slide11.xml><?xml version="1.0" encoding="utf-8"?>
+<p:sld xmlns:a="http://schemas.openxmlformats.org/drawingml/2006/main" xmlns:r="http://schemas.openxmlformats.org/officeDocument/2006/relationships" xmlns:p="http://schemas.openxmlformats.org/presentationml/2006/main">
+  <p:cSld>
+    <p:spTree>
+      <p:nvGrpSpPr>
+        <p:cNvPr id="1" name=""/>
+        <p:cNvGrpSpPr/>
+        <p:nvPr/>
+      </p:nvGrpSpPr>
+      <p:grpSpPr>
+        <a:xfrm>
+          <a:off x="0" y="0"/>
+          <a:ext cx="0" cy="0"/>
+          <a:chOff x="0" y="0"/>
+          <a:chExt cx="0" cy="0"/>
+        </a:xfrm>
+      </p:grpSpPr>
+      <p:sp>
+        <p:nvSpPr>
+          <p:cNvPr id="2" name="Title 1">
+            <a:extLst>
+              <a:ext uri="{FF2B5EF4-FFF2-40B4-BE49-F238E27FC236}">
                 <a16:creationId xmlns:a16="http://schemas.microsoft.com/office/drawing/2014/main" id="{001AEE98-32AF-964E-92ED-A7BC096E1CAF}"/>
               </a:ext>
             </a:extLst>
@@ -3127,10 +3327,10 @@
       </p:sp>
       <p:pic>
         <p:nvPicPr>
-          <p:cNvPr id="8" name="Picture 7">
+          <p:cNvPr id="5" name="Picture 4">
             <a:extLst>
               <a:ext uri="{FF2B5EF4-FFF2-40B4-BE49-F238E27FC236}">
-                <a16:creationId xmlns:a16="http://schemas.microsoft.com/office/drawing/2014/main" id="{737EC8A7-FEF3-2CC6-44F5-5D695A4984A4}"/>
+                <a16:creationId xmlns:a16="http://schemas.microsoft.com/office/drawing/2014/main" id="{B0AAA269-F3EF-5844-2CAF-9E830AC8ED8F}"/>
               </a:ext>
             </a:extLst>
           </p:cNvPr>
@@ -3147,8 +3347,8 @@
         </p:blipFill>
         <p:spPr>
           <a:xfrm>
-            <a:off x="453826" y="3286125"/>
-            <a:ext cx="11284348" cy="1643117"/>
+            <a:off x="753717" y="3200884"/>
+            <a:ext cx="10684565" cy="2010415"/>
           </a:xfrm>
           <a:prstGeom prst="rect">
             <a:avLst/>
@@ -3168,7 +3368,7 @@
 </p:sld>
 </file>
 
-<file path=ppt/slides/slide11.xml><?xml version="1.0" encoding="utf-8"?>
+<file path=ppt/slides/slide12.xml><?xml version="1.0" encoding="utf-8"?>
 <p:sld xmlns:a="http://schemas.openxmlformats.org/drawingml/2006/main" xmlns:r="http://schemas.openxmlformats.org/officeDocument/2006/relationships" xmlns:p="http://schemas.openxmlformats.org/presentationml/2006/main">
   <p:cSld>
     <p:spTree>
@@ -4474,7 +4674,7 @@
           <a:p>
             <a:r>
               <a:rPr lang="en-US" dirty="0"/>
-              <a:t>Also need a file listing all the </a:t>
+              <a:t>Also need a file listing all the detectable </a:t>
             </a:r>
             <a:r>
               <a:rPr lang="en-US" dirty="0" err="1"/>
@@ -4492,7 +4692,7 @@
                 <a:latin typeface="Courier New" panose="02070309020205020404" pitchFamily="49" charset="0"/>
                 <a:cs typeface="Courier New" panose="02070309020205020404" pitchFamily="49" charset="0"/>
               </a:rPr>
-              <a:t>cut -f1 </a:t>
+              <a:t>awk -F"\t" '$3 != "NA"' </a:t>
             </a:r>
             <a:r>
               <a:rPr lang="en-US" dirty="0" err="1">
@@ -4506,7 +4706,7 @@
                 <a:latin typeface="Courier New" panose="02070309020205020404" pitchFamily="49" charset="0"/>
                 <a:cs typeface="Courier New" panose="02070309020205020404" pitchFamily="49" charset="0"/>
               </a:rPr>
-              <a:t> | grep ENS &gt; </a:t>
+              <a:t> | cut -f1 | grep ENS &gt; </a:t>
             </a:r>
             <a:r>
               <a:rPr lang="en-US" dirty="0" err="1">
@@ -4650,7 +4850,7 @@
           <p:cNvPr id="2" name="Title 1">
             <a:extLst>
               <a:ext uri="{FF2B5EF4-FFF2-40B4-BE49-F238E27FC236}">
-                <a16:creationId xmlns:a16="http://schemas.microsoft.com/office/drawing/2014/main" id="{DA4084F7-C9DF-C342-ACDB-33FEEFB5BAE3}"/>
+                <a16:creationId xmlns:a16="http://schemas.microsoft.com/office/drawing/2014/main" id="{CB830BF3-FFFF-F809-C96C-6DEC4B155C41}"/>
               </a:ext>
             </a:extLst>
           </p:cNvPr>
@@ -4668,13 +4868,8 @@
           <a:p>
             <a:r>
               <a:rPr lang="en-US" dirty="0"/>
-              <a:t>Run </a:t>
-            </a:r>
-            <a:r>
-              <a:rPr lang="en-US" dirty="0" err="1"/>
-              <a:t>Ontologizer</a:t>
-            </a:r>
-            <a:endParaRPr lang="en-US" dirty="0"/>
+              <a:t>Best population set?</a:t>
+            </a:r>
           </a:p>
         </p:txBody>
       </p:sp>
@@ -4683,7 +4878,7 @@
           <p:cNvPr id="3" name="Content Placeholder 2">
             <a:extLst>
               <a:ext uri="{FF2B5EF4-FFF2-40B4-BE49-F238E27FC236}">
-                <a16:creationId xmlns:a16="http://schemas.microsoft.com/office/drawing/2014/main" id="{D121EDCC-B4C9-8340-A27C-CD88708DE5D5}"/>
+                <a16:creationId xmlns:a16="http://schemas.microsoft.com/office/drawing/2014/main" id="{DB88895A-D2AC-E2A6-BDD4-B97C9858CF2F}"/>
               </a:ext>
             </a:extLst>
           </p:cNvPr>
@@ -4696,120 +4891,57 @@
         </p:nvSpPr>
         <p:spPr/>
         <p:txBody>
-          <a:bodyPr/>
-          <a:lstStyle/>
-          <a:p>
+          <a:bodyPr>
+            <a:normAutofit fontScale="92500"/>
+          </a:bodyPr>
+          <a:lstStyle/>
+          <a:p>
+            <a:r>
+              <a:rPr lang="en-US" dirty="0"/>
+              <a:t>Population set should be all the genes that are detectable</a:t>
+            </a:r>
+          </a:p>
+          <a:p>
+            <a:r>
+              <a:rPr lang="en-US" dirty="0"/>
+              <a:t>Do NOT just use all the genes in the genome (which some online tools default to)</a:t>
+            </a:r>
+          </a:p>
+          <a:p>
+            <a:r>
+              <a:rPr lang="en-US" dirty="0"/>
+              <a:t>Instead either:</a:t>
+            </a:r>
+          </a:p>
+          <a:p>
+            <a:pPr lvl="1"/>
+            <a:r>
+              <a:rPr lang="en-US" dirty="0"/>
+              <a:t>Use all the genes that are above some threshold number of counts (with 1 count not being unreasonable)</a:t>
+            </a:r>
+          </a:p>
+          <a:p>
+            <a:pPr lvl="1"/>
+            <a:r>
+              <a:rPr lang="en-US" dirty="0"/>
+              <a:t>If you’re using DESeq2, use all the genes that haven’t been subjected to independent filtering (i.e. those that don’t have “NA” for their adjusted p-value)</a:t>
+            </a:r>
+          </a:p>
+          <a:p>
+            <a:pPr lvl="1"/>
+            <a:r>
+              <a:rPr lang="en-US" dirty="0"/>
+              <a:t>See </a:t>
+            </a:r>
             <a:r>
               <a:rPr lang="en-US" dirty="0">
-                <a:latin typeface="Courier New" panose="02070309020205020404" pitchFamily="49" charset="0"/>
-                <a:cs typeface="Courier New" panose="02070309020205020404" pitchFamily="49" charset="0"/>
-              </a:rPr>
-              <a:t>java -jar </a:t>
-            </a:r>
-            <a:r>
-              <a:rPr lang="en-US" dirty="0" err="1">
-                <a:latin typeface="Courier New" panose="02070309020205020404" pitchFamily="49" charset="0"/>
-                <a:cs typeface="Courier New" panose="02070309020205020404" pitchFamily="49" charset="0"/>
-              </a:rPr>
-              <a:t>Ontologizer.jar</a:t>
-            </a:r>
-            <a:r>
-              <a:rPr lang="en-US" dirty="0">
-                <a:latin typeface="Courier New" panose="02070309020205020404" pitchFamily="49" charset="0"/>
-                <a:cs typeface="Courier New" panose="02070309020205020404" pitchFamily="49" charset="0"/>
-              </a:rPr>
-              <a:t> -a </a:t>
-            </a:r>
-            <a:r>
-              <a:rPr lang="en-US" dirty="0" err="1">
-                <a:latin typeface="Courier New" panose="02070309020205020404" pitchFamily="49" charset="0"/>
-                <a:cs typeface="Courier New" panose="02070309020205020404" pitchFamily="49" charset="0"/>
-              </a:rPr>
-              <a:t>zfin.txt</a:t>
-            </a:r>
-            <a:r>
-              <a:rPr lang="en-US" dirty="0">
-                <a:latin typeface="Courier New" panose="02070309020205020404" pitchFamily="49" charset="0"/>
-                <a:cs typeface="Courier New" panose="02070309020205020404" pitchFamily="49" charset="0"/>
-              </a:rPr>
-              <a:t> -g </a:t>
-            </a:r>
-            <a:r>
-              <a:rPr lang="en-US" dirty="0" err="1">
-                <a:latin typeface="Courier New" panose="02070309020205020404" pitchFamily="49" charset="0"/>
-                <a:cs typeface="Courier New" panose="02070309020205020404" pitchFamily="49" charset="0"/>
-              </a:rPr>
-              <a:t>zfa.obo</a:t>
-            </a:r>
-            <a:r>
-              <a:rPr lang="en-US" dirty="0">
-                <a:latin typeface="Courier New" panose="02070309020205020404" pitchFamily="49" charset="0"/>
-                <a:cs typeface="Courier New" panose="02070309020205020404" pitchFamily="49" charset="0"/>
-              </a:rPr>
-              <a:t> -c Parent-Child-Union -m Bonferroni -p </a:t>
-            </a:r>
-            <a:r>
-              <a:rPr lang="en-US" dirty="0" err="1">
-                <a:latin typeface="Courier New" panose="02070309020205020404" pitchFamily="49" charset="0"/>
-                <a:cs typeface="Courier New" panose="02070309020205020404" pitchFamily="49" charset="0"/>
-              </a:rPr>
-              <a:t>population.zfin.tsv</a:t>
-            </a:r>
-            <a:r>
-              <a:rPr lang="en-US" dirty="0">
-                <a:latin typeface="Courier New" panose="02070309020205020404" pitchFamily="49" charset="0"/>
-                <a:cs typeface="Courier New" panose="02070309020205020404" pitchFamily="49" charset="0"/>
-              </a:rPr>
-              <a:t> -s </a:t>
-            </a:r>
-            <a:r>
-              <a:rPr lang="en-US" dirty="0" err="1">
-                <a:latin typeface="Courier New" panose="02070309020205020404" pitchFamily="49" charset="0"/>
-                <a:cs typeface="Courier New" panose="02070309020205020404" pitchFamily="49" charset="0"/>
-              </a:rPr>
-              <a:t>study.zfin.tsv</a:t>
-            </a:r>
-            <a:endParaRPr lang="en-US" dirty="0">
-              <a:latin typeface="Courier New" panose="02070309020205020404" pitchFamily="49" charset="0"/>
-              <a:cs typeface="Courier New" panose="02070309020205020404" pitchFamily="49" charset="0"/>
-            </a:endParaRPr>
-          </a:p>
-          <a:p>
+                <a:hlinkClick r:id="rId2"/>
+              </a:rPr>
+              <a:t>http://bioconductor.org/packages/devel/bioc/vignettes/DESeq2/inst/doc/DESeq2.html#independent-filtering-of-results</a:t>
+            </a:r>
             <a:r>
               <a:rPr lang="en-US" dirty="0"/>
-              <a:t>Will produce a file called </a:t>
-            </a:r>
-            <a:r>
-              <a:rPr lang="en-US" dirty="0">
-                <a:latin typeface="Courier New" panose="02070309020205020404" pitchFamily="49" charset="0"/>
-                <a:cs typeface="Courier New" panose="02070309020205020404" pitchFamily="49" charset="0"/>
-              </a:rPr>
-              <a:t>table-</a:t>
-            </a:r>
-            <a:r>
-              <a:rPr lang="en-US" dirty="0" err="1">
-                <a:latin typeface="Courier New" panose="02070309020205020404" pitchFamily="49" charset="0"/>
-                <a:cs typeface="Courier New" panose="02070309020205020404" pitchFamily="49" charset="0"/>
-              </a:rPr>
-              <a:t>study.zfin</a:t>
-            </a:r>
-            <a:r>
-              <a:rPr lang="en-US" dirty="0">
-                <a:latin typeface="Courier New" panose="02070309020205020404" pitchFamily="49" charset="0"/>
-                <a:cs typeface="Courier New" panose="02070309020205020404" pitchFamily="49" charset="0"/>
-              </a:rPr>
-              <a:t>-Parent-Child-Union-</a:t>
-            </a:r>
-            <a:r>
-              <a:rPr lang="en-US" dirty="0" err="1">
-                <a:latin typeface="Courier New" panose="02070309020205020404" pitchFamily="49" charset="0"/>
-                <a:cs typeface="Courier New" panose="02070309020205020404" pitchFamily="49" charset="0"/>
-              </a:rPr>
-              <a:t>Bonferroni.txt</a:t>
-            </a:r>
-            <a:r>
-              <a:rPr lang="en-US" dirty="0"/>
-              <a:t> containing all the ZFA terms, including significantly enriched ones</a:t>
+              <a:t> for more info on independent filtering</a:t>
             </a:r>
           </a:p>
         </p:txBody>
@@ -4817,7 +4949,7 @@
     </p:spTree>
     <p:extLst>
       <p:ext uri="{BB962C8B-B14F-4D97-AF65-F5344CB8AC3E}">
-        <p14:creationId xmlns:p14="http://schemas.microsoft.com/office/powerpoint/2010/main" val="524505637"/>
+        <p14:creationId xmlns:p14="http://schemas.microsoft.com/office/powerpoint/2010/main" val="3181053188"/>
       </p:ext>
     </p:extLst>
   </p:cSld>
